--- a/Unternehmen.pptx
+++ b/Unternehmen.pptx
@@ -106,6 +106,11 @@
       </a:defRPr>
     </a:lvl9pPr>
   </p:defaultTextStyle>
+  <p:extLst>
+    <p:ext uri="{EFAFB233-063F-42B5-8137-9DF3F51BA10A}">
+      <p15:sldGuideLst xmlns:p15="http://schemas.microsoft.com/office/powerpoint/2012/main"/>
+    </p:ext>
+  </p:extLst>
 </p:presentation>
 </file>
 
@@ -240,7 +245,7 @@
           <a:p>
             <a:fld id="{F09F43DB-5DB0-4577-AC98-D703ED0CB4C7}" type="datetimeFigureOut">
               <a:rPr lang="de-DE" smtClean="0"/>
-              <a:t>20.06.2023</a:t>
+              <a:t>21.06.2023</a:t>
             </a:fld>
             <a:endParaRPr lang="de-DE"/>
           </a:p>
@@ -410,7 +415,7 @@
           <a:p>
             <a:fld id="{F09F43DB-5DB0-4577-AC98-D703ED0CB4C7}" type="datetimeFigureOut">
               <a:rPr lang="de-DE" smtClean="0"/>
-              <a:t>20.06.2023</a:t>
+              <a:t>21.06.2023</a:t>
             </a:fld>
             <a:endParaRPr lang="de-DE"/>
           </a:p>
@@ -590,7 +595,7 @@
           <a:p>
             <a:fld id="{F09F43DB-5DB0-4577-AC98-D703ED0CB4C7}" type="datetimeFigureOut">
               <a:rPr lang="de-DE" smtClean="0"/>
-              <a:t>20.06.2023</a:t>
+              <a:t>21.06.2023</a:t>
             </a:fld>
             <a:endParaRPr lang="de-DE"/>
           </a:p>
@@ -760,7 +765,7 @@
           <a:p>
             <a:fld id="{F09F43DB-5DB0-4577-AC98-D703ED0CB4C7}" type="datetimeFigureOut">
               <a:rPr lang="de-DE" smtClean="0"/>
-              <a:t>20.06.2023</a:t>
+              <a:t>21.06.2023</a:t>
             </a:fld>
             <a:endParaRPr lang="de-DE"/>
           </a:p>
@@ -1006,7 +1011,7 @@
           <a:p>
             <a:fld id="{F09F43DB-5DB0-4577-AC98-D703ED0CB4C7}" type="datetimeFigureOut">
               <a:rPr lang="de-DE" smtClean="0"/>
-              <a:t>20.06.2023</a:t>
+              <a:t>21.06.2023</a:t>
             </a:fld>
             <a:endParaRPr lang="de-DE"/>
           </a:p>
@@ -1238,7 +1243,7 @@
           <a:p>
             <a:fld id="{F09F43DB-5DB0-4577-AC98-D703ED0CB4C7}" type="datetimeFigureOut">
               <a:rPr lang="de-DE" smtClean="0"/>
-              <a:t>20.06.2023</a:t>
+              <a:t>21.06.2023</a:t>
             </a:fld>
             <a:endParaRPr lang="de-DE"/>
           </a:p>
@@ -1605,7 +1610,7 @@
           <a:p>
             <a:fld id="{F09F43DB-5DB0-4577-AC98-D703ED0CB4C7}" type="datetimeFigureOut">
               <a:rPr lang="de-DE" smtClean="0"/>
-              <a:t>20.06.2023</a:t>
+              <a:t>21.06.2023</a:t>
             </a:fld>
             <a:endParaRPr lang="de-DE"/>
           </a:p>
@@ -1723,7 +1728,7 @@
           <a:p>
             <a:fld id="{F09F43DB-5DB0-4577-AC98-D703ED0CB4C7}" type="datetimeFigureOut">
               <a:rPr lang="de-DE" smtClean="0"/>
-              <a:t>20.06.2023</a:t>
+              <a:t>21.06.2023</a:t>
             </a:fld>
             <a:endParaRPr lang="de-DE"/>
           </a:p>
@@ -1818,7 +1823,7 @@
           <a:p>
             <a:fld id="{F09F43DB-5DB0-4577-AC98-D703ED0CB4C7}" type="datetimeFigureOut">
               <a:rPr lang="de-DE" smtClean="0"/>
-              <a:t>20.06.2023</a:t>
+              <a:t>21.06.2023</a:t>
             </a:fld>
             <a:endParaRPr lang="de-DE"/>
           </a:p>
@@ -2095,7 +2100,7 @@
           <a:p>
             <a:fld id="{F09F43DB-5DB0-4577-AC98-D703ED0CB4C7}" type="datetimeFigureOut">
               <a:rPr lang="de-DE" smtClean="0"/>
-              <a:t>20.06.2023</a:t>
+              <a:t>21.06.2023</a:t>
             </a:fld>
             <a:endParaRPr lang="de-DE"/>
           </a:p>
@@ -2348,7 +2353,7 @@
           <a:p>
             <a:fld id="{F09F43DB-5DB0-4577-AC98-D703ED0CB4C7}" type="datetimeFigureOut">
               <a:rPr lang="de-DE" smtClean="0"/>
-              <a:t>20.06.2023</a:t>
+              <a:t>21.06.2023</a:t>
             </a:fld>
             <a:endParaRPr lang="de-DE"/>
           </a:p>
@@ -2561,7 +2566,7 @@
           <a:p>
             <a:fld id="{F09F43DB-5DB0-4577-AC98-D703ED0CB4C7}" type="datetimeFigureOut">
               <a:rPr lang="de-DE" smtClean="0"/>
-              <a:t>20.06.2023</a:t>
+              <a:t>21.06.2023</a:t>
             </a:fld>
             <a:endParaRPr lang="de-DE"/>
           </a:p>
@@ -2968,6 +2973,36 @@
       </p:grpSpPr>
       <p:pic>
         <p:nvPicPr>
+          <p:cNvPr id="5" name="Grafik 4"/>
+          <p:cNvPicPr>
+            <a:picLocks noChangeAspect="1"/>
+          </p:cNvPicPr>
+          <p:nvPr/>
+        </p:nvPicPr>
+        <p:blipFill>
+          <a:blip r:embed="rId2" cstate="print">
+            <a:extLst>
+              <a:ext uri="{28A0092B-C50C-407E-A947-70E740481C1C}">
+                <a14:useLocalDpi xmlns:a14="http://schemas.microsoft.com/office/drawing/2010/main" val="0"/>
+              </a:ext>
+            </a:extLst>
+          </a:blip>
+          <a:stretch>
+            <a:fillRect/>
+          </a:stretch>
+        </p:blipFill>
+        <p:spPr>
+          <a:xfrm>
+            <a:off x="4482" y="-1"/>
+            <a:ext cx="12192000" cy="6858001"/>
+          </a:xfrm>
+          <a:prstGeom prst="rect">
+            <a:avLst/>
+          </a:prstGeom>
+        </p:spPr>
+      </p:pic>
+      <p:pic>
+        <p:nvPicPr>
           <p:cNvPr id="8" name="Grafik 7"/>
           <p:cNvPicPr>
             <a:picLocks noChangeAspect="1"/>
@@ -2975,7 +3010,7 @@
           <p:nvPr/>
         </p:nvPicPr>
         <p:blipFill>
-          <a:blip r:embed="rId2" cstate="print">
+          <a:blip r:embed="rId3" cstate="print">
             <a:extLst>
               <a:ext uri="{28A0092B-C50C-407E-A947-70E740481C1C}">
                 <a14:useLocalDpi xmlns:a14="http://schemas.microsoft.com/office/drawing/2010/main" val="0"/>
@@ -2996,25 +3031,6 @@
           </a:prstGeom>
         </p:spPr>
       </p:pic>
-      <p:sp>
-        <p:nvSpPr>
-          <p:cNvPr id="3" name="Untertitel 2"/>
-          <p:cNvSpPr>
-            <a:spLocks noGrp="1"/>
-          </p:cNvSpPr>
-          <p:nvPr>
-            <p:ph type="subTitle" idx="1"/>
-          </p:nvPr>
-        </p:nvSpPr>
-        <p:spPr/>
-        <p:txBody>
-          <a:bodyPr/>
-          <a:lstStyle/>
-          <a:p>
-            <a:endParaRPr lang="de-DE"/>
-          </a:p>
-        </p:txBody>
-      </p:sp>
       <p:pic>
         <p:nvPicPr>
           <p:cNvPr id="6" name="Grafik 5"/>
@@ -3024,7 +3040,7 @@
           <p:nvPr/>
         </p:nvPicPr>
         <p:blipFill>
-          <a:blip r:embed="rId3" cstate="print">
+          <a:blip r:embed="rId4" cstate="print">
             <a:extLst>
               <a:ext uri="{28A0092B-C50C-407E-A947-70E740481C1C}">
                 <a14:useLocalDpi xmlns:a14="http://schemas.microsoft.com/office/drawing/2010/main" val="0"/>
@@ -3039,6 +3055,149 @@
           <a:xfrm>
             <a:off x="0" y="-5406494"/>
             <a:ext cx="925158" cy="13293962"/>
+          </a:xfrm>
+          <a:prstGeom prst="rect">
+            <a:avLst/>
+          </a:prstGeom>
+        </p:spPr>
+      </p:pic>
+      <p:sp>
+        <p:nvSpPr>
+          <p:cNvPr id="2" name="Textfeld 1"/>
+          <p:cNvSpPr txBox="1"/>
+          <p:nvPr/>
+        </p:nvSpPr>
+        <p:spPr>
+          <a:xfrm>
+            <a:off x="2412029" y="2478343"/>
+            <a:ext cx="8293100" cy="1446550"/>
+          </a:xfrm>
+          <a:prstGeom prst="rect">
+            <a:avLst/>
+          </a:prstGeom>
+          <a:noFill/>
+        </p:spPr>
+        <p:txBody>
+          <a:bodyPr wrap="square" rtlCol="0">
+            <a:spAutoFit/>
+          </a:bodyPr>
+          <a:lstStyle/>
+          <a:p>
+            <a:pPr algn="ctr"/>
+            <a:r>
+              <a:rPr lang="de-DE" sz="4400" dirty="0" smtClean="0">
+                <a:solidFill>
+                  <a:schemeClr val="bg1"/>
+                </a:solidFill>
+              </a:rPr>
+              <a:t>OGH </a:t>
+            </a:r>
+            <a:br>
+              <a:rPr lang="de-DE" sz="4400" dirty="0" smtClean="0">
+                <a:solidFill>
+                  <a:schemeClr val="bg1"/>
+                </a:solidFill>
+              </a:rPr>
+            </a:br>
+            <a:r>
+              <a:rPr lang="de-DE" sz="4400" dirty="0" smtClean="0">
+                <a:solidFill>
+                  <a:schemeClr val="bg1"/>
+                </a:solidFill>
+              </a:rPr>
+              <a:t>(Offene </a:t>
+            </a:r>
+            <a:r>
+              <a:rPr lang="de-DE" sz="4400" dirty="0" err="1" smtClean="0">
+                <a:solidFill>
+                  <a:schemeClr val="bg1"/>
+                </a:solidFill>
+              </a:rPr>
+              <a:t>Handlungs</a:t>
+            </a:r>
+            <a:r>
+              <a:rPr lang="de-DE" sz="4400" dirty="0" smtClean="0">
+                <a:solidFill>
+                  <a:schemeClr val="bg1"/>
+                </a:solidFill>
+              </a:rPr>
+              <a:t> Gesellschaft)</a:t>
+            </a:r>
+            <a:r>
+              <a:rPr lang="de-DE" dirty="0" smtClean="0">
+                <a:solidFill>
+                  <a:schemeClr val="bg1"/>
+                </a:solidFill>
+              </a:rPr>
+              <a:t> </a:t>
+            </a:r>
+          </a:p>
+        </p:txBody>
+      </p:sp>
+      <p:sp>
+        <p:nvSpPr>
+          <p:cNvPr id="4" name="Textfeld 3"/>
+          <p:cNvSpPr txBox="1"/>
+          <p:nvPr/>
+        </p:nvSpPr>
+        <p:spPr>
+          <a:xfrm>
+            <a:off x="925158" y="6403237"/>
+            <a:ext cx="4495800" cy="646331"/>
+          </a:xfrm>
+          <a:prstGeom prst="rect">
+            <a:avLst/>
+          </a:prstGeom>
+          <a:noFill/>
+        </p:spPr>
+        <p:txBody>
+          <a:bodyPr wrap="square" rtlCol="0">
+            <a:spAutoFit/>
+          </a:bodyPr>
+          <a:lstStyle/>
+          <a:p>
+            <a:r>
+              <a:rPr lang="de-DE" dirty="0"/>
+              <a:t>Von </a:t>
+            </a:r>
+            <a:r>
+              <a:rPr lang="de-DE" dirty="0" err="1"/>
+              <a:t>Malimes</a:t>
+            </a:r>
+            <a:r>
+              <a:rPr lang="de-DE" dirty="0"/>
+              <a:t>, Annabell, Patrick und Lucas</a:t>
+            </a:r>
+          </a:p>
+          <a:p>
+            <a:endParaRPr lang="de-DE" dirty="0"/>
+          </a:p>
+        </p:txBody>
+      </p:sp>
+      <p:pic>
+        <p:nvPicPr>
+          <p:cNvPr id="7" name="Grafik 6"/>
+          <p:cNvPicPr>
+            <a:picLocks noChangeAspect="1"/>
+          </p:cNvPicPr>
+          <p:nvPr/>
+        </p:nvPicPr>
+        <p:blipFill>
+          <a:blip r:embed="rId5" cstate="print">
+            <a:extLst>
+              <a:ext uri="{28A0092B-C50C-407E-A947-70E740481C1C}">
+                <a14:useLocalDpi xmlns:a14="http://schemas.microsoft.com/office/drawing/2010/main" val="0"/>
+              </a:ext>
+            </a:extLst>
+          </a:blip>
+          <a:stretch>
+            <a:fillRect/>
+          </a:stretch>
+        </p:blipFill>
+        <p:spPr>
+          <a:xfrm>
+            <a:off x="10006284" y="4465220"/>
+            <a:ext cx="1397690" cy="1397690"/>
           </a:xfrm>
           <a:prstGeom prst="rect">
             <a:avLst/>
@@ -3106,6 +3265,129 @@
                       </p:childTnLst>
                     </p:cTn>
                   </p:par>
+                  <p:par>
+                    <p:cTn id="7" fill="hold">
+                      <p:stCondLst>
+                        <p:cond delay="indefinite"/>
+                      </p:stCondLst>
+                      <p:childTnLst>
+                        <p:par>
+                          <p:cTn id="8" fill="hold">
+                            <p:stCondLst>
+                              <p:cond delay="0"/>
+                            </p:stCondLst>
+                            <p:childTnLst>
+                              <p:par>
+                                <p:cTn id="9" presetID="10" presetClass="exit" presetSubtype="0" fill="hold" grpId="0" nodeType="clickEffect">
+                                  <p:stCondLst>
+                                    <p:cond delay="0"/>
+                                  </p:stCondLst>
+                                  <p:childTnLst>
+                                    <p:animEffect transition="out" filter="fade">
+                                      <p:cBhvr>
+                                        <p:cTn id="10" dur="300"/>
+                                        <p:tgtEl>
+                                          <p:spTgt spid="4"/>
+                                        </p:tgtEl>
+                                      </p:cBhvr>
+                                    </p:animEffect>
+                                    <p:set>
+                                      <p:cBhvr>
+                                        <p:cTn id="11" dur="1" fill="hold">
+                                          <p:stCondLst>
+                                            <p:cond delay="299"/>
+                                          </p:stCondLst>
+                                        </p:cTn>
+                                        <p:tgtEl>
+                                          <p:spTgt spid="4"/>
+                                        </p:tgtEl>
+                                        <p:attrNameLst>
+                                          <p:attrName>style.visibility</p:attrName>
+                                        </p:attrNameLst>
+                                      </p:cBhvr>
+                                      <p:to>
+                                        <p:strVal val="hidden"/>
+                                      </p:to>
+                                    </p:set>
+                                  </p:childTnLst>
+                                </p:cTn>
+                              </p:par>
+                              <p:par>
+                                <p:cTn id="12" presetID="10" presetClass="exit" presetSubtype="0" fill="hold" grpId="0" nodeType="withEffect">
+                                  <p:stCondLst>
+                                    <p:cond delay="0"/>
+                                  </p:stCondLst>
+                                  <p:childTnLst>
+                                    <p:animEffect transition="out" filter="fade">
+                                      <p:cBhvr>
+                                        <p:cTn id="13" dur="300"/>
+                                        <p:tgtEl>
+                                          <p:spTgt spid="2"/>
+                                        </p:tgtEl>
+                                      </p:cBhvr>
+                                    </p:animEffect>
+                                    <p:set>
+                                      <p:cBhvr>
+                                        <p:cTn id="14" dur="1" fill="hold">
+                                          <p:stCondLst>
+                                            <p:cond delay="299"/>
+                                          </p:stCondLst>
+                                        </p:cTn>
+                                        <p:tgtEl>
+                                          <p:spTgt spid="2"/>
+                                        </p:tgtEl>
+                                        <p:attrNameLst>
+                                          <p:attrName>style.visibility</p:attrName>
+                                        </p:attrNameLst>
+                                      </p:cBhvr>
+                                      <p:to>
+                                        <p:strVal val="hidden"/>
+                                      </p:to>
+                                    </p:set>
+                                  </p:childTnLst>
+                                </p:cTn>
+                              </p:par>
+                              <p:par>
+                                <p:cTn id="15" presetID="10" presetClass="exit" presetSubtype="0" fill="hold" nodeType="withEffect">
+                                  <p:stCondLst>
+                                    <p:cond delay="0"/>
+                                  </p:stCondLst>
+                                  <p:childTnLst>
+                                    <p:animEffect transition="out" filter="fade">
+                                      <p:cBhvr>
+                                        <p:cTn id="16" dur="300"/>
+                                        <p:tgtEl>
+                                          <p:spTgt spid="7"/>
+                                        </p:tgtEl>
+                                      </p:cBhvr>
+                                    </p:animEffect>
+                                    <p:set>
+                                      <p:cBhvr>
+                                        <p:cTn id="17" dur="1" fill="hold">
+                                          <p:stCondLst>
+                                            <p:cond delay="299"/>
+                                          </p:stCondLst>
+                                        </p:cTn>
+                                        <p:tgtEl>
+                                          <p:spTgt spid="7"/>
+                                        </p:tgtEl>
+                                        <p:attrNameLst>
+                                          <p:attrName>style.visibility</p:attrName>
+                                        </p:attrNameLst>
+                                      </p:cBhvr>
+                                      <p:to>
+                                        <p:strVal val="hidden"/>
+                                      </p:to>
+                                    </p:set>
+                                  </p:childTnLst>
+                                </p:cTn>
+                              </p:par>
+                            </p:childTnLst>
+                          </p:cTn>
+                        </p:par>
+                      </p:childTnLst>
+                    </p:cTn>
+                  </p:par>
                 </p:childTnLst>
               </p:cTn>
               <p:prevCondLst>
@@ -3127,6 +3409,10 @@
         </p:cTn>
       </p:par>
     </p:tnLst>
+    <p:bldLst>
+      <p:bldP spid="2" grpId="0"/>
+      <p:bldP spid="4" grpId="0"/>
+    </p:bldLst>
   </p:timing>
 </p:sld>
 </file>
@@ -3150,6 +3436,36 @@
       </p:grpSpPr>
       <p:pic>
         <p:nvPicPr>
+          <p:cNvPr id="7" name="Grafik 6"/>
+          <p:cNvPicPr>
+            <a:picLocks noChangeAspect="1"/>
+          </p:cNvPicPr>
+          <p:nvPr/>
+        </p:nvPicPr>
+        <p:blipFill>
+          <a:blip r:embed="rId2" cstate="print">
+            <a:extLst>
+              <a:ext uri="{28A0092B-C50C-407E-A947-70E740481C1C}">
+                <a14:useLocalDpi xmlns:a14="http://schemas.microsoft.com/office/drawing/2010/main" val="0"/>
+              </a:ext>
+            </a:extLst>
+          </a:blip>
+          <a:stretch>
+            <a:fillRect/>
+          </a:stretch>
+        </p:blipFill>
+        <p:spPr>
+          <a:xfrm>
+            <a:off x="0" y="-24048"/>
+            <a:ext cx="12192000" cy="6858001"/>
+          </a:xfrm>
+          <a:prstGeom prst="rect">
+            <a:avLst/>
+          </a:prstGeom>
+        </p:spPr>
+      </p:pic>
+      <p:pic>
+        <p:nvPicPr>
           <p:cNvPr id="2" name="Grafik 1"/>
           <p:cNvPicPr>
             <a:picLocks noChangeAspect="1"/>
@@ -3157,7 +3473,7 @@
           <p:nvPr/>
         </p:nvPicPr>
         <p:blipFill>
-          <a:blip r:embed="rId2" cstate="print">
+          <a:blip r:embed="rId3" cstate="print">
             <a:extLst>
               <a:ext uri="{28A0092B-C50C-407E-A947-70E740481C1C}">
                 <a14:useLocalDpi xmlns:a14="http://schemas.microsoft.com/office/drawing/2010/main" val="0"/>
@@ -3187,7 +3503,7 @@
           <p:nvPr/>
         </p:nvPicPr>
         <p:blipFill>
-          <a:blip r:embed="rId3" cstate="print">
+          <a:blip r:embed="rId4" cstate="print">
             <a:extLst>
               <a:ext uri="{28A0092B-C50C-407E-A947-70E740481C1C}">
                 <a14:useLocalDpi xmlns:a14="http://schemas.microsoft.com/office/drawing/2010/main" val="0"/>
@@ -3218,12 +3534,161 @@
             <p:ph type="subTitle" idx="1"/>
           </p:nvPr>
         </p:nvSpPr>
-        <p:spPr/>
-        <p:txBody>
-          <a:bodyPr/>
-          <a:lstStyle/>
-          <a:p>
-            <a:endParaRPr lang="de-DE"/>
+        <p:spPr>
+          <a:xfrm>
+            <a:off x="1524000" y="515938"/>
+            <a:ext cx="9871710" cy="5736272"/>
+          </a:xfrm>
+        </p:spPr>
+        <p:txBody>
+          <a:bodyPr>
+            <a:normAutofit/>
+          </a:bodyPr>
+          <a:lstStyle/>
+          <a:p>
+            <a:pPr marL="342900" indent="-342900" algn="l">
+              <a:buFont typeface="Arial" panose="020B0604020202020204" pitchFamily="34" charset="0"/>
+              <a:buChar char="•"/>
+            </a:pPr>
+            <a:r>
+              <a:rPr lang="de-DE" sz="3600" dirty="0" smtClean="0">
+                <a:solidFill>
+                  <a:schemeClr val="bg1"/>
+                </a:solidFill>
+              </a:rPr>
+              <a:t>Definition von OHG (Offene Handels </a:t>
+            </a:r>
+            <a:r>
+              <a:rPr lang="de-DE" sz="3600" dirty="0" err="1" smtClean="0">
+                <a:solidFill>
+                  <a:schemeClr val="bg1"/>
+                </a:solidFill>
+              </a:rPr>
+              <a:t>Gesselschaft</a:t>
+            </a:r>
+            <a:r>
+              <a:rPr lang="de-DE" sz="3600" dirty="0" smtClean="0">
+                <a:solidFill>
+                  <a:schemeClr val="bg1"/>
+                </a:solidFill>
+              </a:rPr>
+              <a:t>)</a:t>
+            </a:r>
+          </a:p>
+          <a:p>
+            <a:pPr marL="342900" indent="-342900" algn="l">
+              <a:buFont typeface="Arial" panose="020B0604020202020204" pitchFamily="34" charset="0"/>
+              <a:buChar char="•"/>
+            </a:pPr>
+            <a:endParaRPr lang="de-DE" sz="3600" dirty="0" smtClean="0">
+              <a:solidFill>
+                <a:schemeClr val="bg1"/>
+              </a:solidFill>
+            </a:endParaRPr>
+          </a:p>
+          <a:p>
+            <a:pPr marL="342900" indent="-342900" algn="l">
+              <a:buFont typeface="Arial" panose="020B0604020202020204" pitchFamily="34" charset="0"/>
+              <a:buChar char="•"/>
+            </a:pPr>
+            <a:r>
+              <a:rPr lang="de-DE" sz="3600" dirty="0" err="1" smtClean="0">
+                <a:solidFill>
+                  <a:schemeClr val="bg1"/>
+                </a:solidFill>
+              </a:rPr>
+              <a:t>Gründungsvorraussetzungen</a:t>
+            </a:r>
+            <a:r>
+              <a:rPr lang="de-DE" sz="3600" dirty="0" smtClean="0">
+                <a:solidFill>
+                  <a:schemeClr val="bg1"/>
+                </a:solidFill>
+              </a:rPr>
+              <a:t> für eine OHG</a:t>
+            </a:r>
+          </a:p>
+          <a:p>
+            <a:pPr marL="342900" indent="-342900" algn="l">
+              <a:buFont typeface="Arial" panose="020B0604020202020204" pitchFamily="34" charset="0"/>
+              <a:buChar char="•"/>
+            </a:pPr>
+            <a:endParaRPr lang="de-DE" sz="3600" dirty="0" smtClean="0">
+              <a:solidFill>
+                <a:schemeClr val="bg1"/>
+              </a:solidFill>
+            </a:endParaRPr>
+          </a:p>
+          <a:p>
+            <a:pPr marL="342900" indent="-342900" algn="l">
+              <a:buFont typeface="Arial" panose="020B0604020202020204" pitchFamily="34" charset="0"/>
+              <a:buChar char="•"/>
+            </a:pPr>
+            <a:r>
+              <a:rPr lang="de-DE" sz="3600" dirty="0" smtClean="0">
+                <a:solidFill>
+                  <a:schemeClr val="bg1"/>
+                </a:solidFill>
+              </a:rPr>
+              <a:t>Haftung bei einer OHG</a:t>
+            </a:r>
+          </a:p>
+          <a:p>
+            <a:pPr marL="342900" indent="-342900" algn="l">
+              <a:buFont typeface="Arial" panose="020B0604020202020204" pitchFamily="34" charset="0"/>
+              <a:buChar char="•"/>
+            </a:pPr>
+            <a:endParaRPr lang="de-DE" sz="3600" dirty="0" smtClean="0">
+              <a:solidFill>
+                <a:schemeClr val="bg1"/>
+              </a:solidFill>
+            </a:endParaRPr>
+          </a:p>
+          <a:p>
+            <a:pPr marL="342900" indent="-342900" algn="l">
+              <a:buFont typeface="Arial" panose="020B0604020202020204" pitchFamily="34" charset="0"/>
+              <a:buChar char="•"/>
+            </a:pPr>
+            <a:r>
+              <a:rPr lang="de-DE" sz="3600" dirty="0" smtClean="0">
+                <a:solidFill>
+                  <a:schemeClr val="bg1"/>
+                </a:solidFill>
+              </a:rPr>
+              <a:t>End Folie </a:t>
+            </a:r>
+          </a:p>
+          <a:p>
+            <a:pPr marL="342900" indent="-342900" algn="l">
+              <a:buFont typeface="Arial" panose="020B0604020202020204" pitchFamily="34" charset="0"/>
+              <a:buChar char="•"/>
+            </a:pPr>
+            <a:endParaRPr lang="de-DE" sz="3600" dirty="0" smtClean="0">
+              <a:solidFill>
+                <a:schemeClr val="bg1"/>
+              </a:solidFill>
+            </a:endParaRPr>
+          </a:p>
+          <a:p>
+            <a:pPr marL="342900" indent="-342900" algn="l">
+              <a:buFont typeface="Arial" panose="020B0604020202020204" pitchFamily="34" charset="0"/>
+              <a:buChar char="•"/>
+            </a:pPr>
+            <a:r>
+              <a:rPr lang="de-DE" sz="3600" dirty="0" smtClean="0">
+                <a:solidFill>
+                  <a:schemeClr val="bg1"/>
+                </a:solidFill>
+              </a:rPr>
+              <a:t>Quellen</a:t>
+            </a:r>
+          </a:p>
+          <a:p>
+            <a:pPr marL="342900" indent="-342900" algn="l">
+              <a:buFont typeface="Arial" panose="020B0604020202020204" pitchFamily="34" charset="0"/>
+              <a:buChar char="•"/>
+            </a:pPr>
+            <a:endParaRPr lang="de-DE" sz="3600" dirty="0"/>
           </a:p>
         </p:txBody>
       </p:sp>
@@ -3236,7 +3701,7 @@
           <p:nvPr/>
         </p:nvPicPr>
         <p:blipFill>
-          <a:blip r:embed="rId4" cstate="print">
+          <a:blip r:embed="rId5" cstate="print">
             <a:extLst>
               <a:ext uri="{28A0092B-C50C-407E-A947-70E740481C1C}">
                 <a14:useLocalDpi xmlns:a14="http://schemas.microsoft.com/office/drawing/2010/main" val="0"/>
@@ -3291,7 +3756,7 @@
                             </p:stCondLst>
                             <p:childTnLst>
                               <p:par>
-                                <p:cTn id="5" presetID="35" presetClass="path" presetSubtype="0" accel="50000" decel="50000" fill="hold" nodeType="withEffect">
+                                <p:cTn id="5" presetID="35" presetClass="path" presetSubtype="0" accel="50000" decel="50000" fill="hold" nodeType="afterEffect">
                                   <p:stCondLst>
                                     <p:cond delay="0"/>
                                   </p:stCondLst>
@@ -3359,6 +3824,266 @@
                             </p:childTnLst>
                           </p:cTn>
                         </p:par>
+                        <p:par>
+                          <p:cTn id="11" fill="hold">
+                            <p:stCondLst>
+                              <p:cond delay="1400"/>
+                            </p:stCondLst>
+                            <p:childTnLst>
+                              <p:par>
+                                <p:cTn id="12" presetID="10" presetClass="entr" presetSubtype="0" fill="hold" grpId="0" nodeType="afterEffect">
+                                  <p:stCondLst>
+                                    <p:cond delay="0"/>
+                                  </p:stCondLst>
+                                  <p:childTnLst>
+                                    <p:set>
+                                      <p:cBhvr>
+                                        <p:cTn id="13" dur="1" fill="hold">
+                                          <p:stCondLst>
+                                            <p:cond delay="0"/>
+                                          </p:stCondLst>
+                                        </p:cTn>
+                                        <p:tgtEl>
+                                          <p:spTgt spid="3">
+                                            <p:txEl>
+                                              <p:pRg st="0" end="0"/>
+                                            </p:txEl>
+                                          </p:spTgt>
+                                        </p:tgtEl>
+                                        <p:attrNameLst>
+                                          <p:attrName>style.visibility</p:attrName>
+                                        </p:attrNameLst>
+                                      </p:cBhvr>
+                                      <p:to>
+                                        <p:strVal val="visible"/>
+                                      </p:to>
+                                    </p:set>
+                                    <p:animEffect transition="in" filter="fade">
+                                      <p:cBhvr>
+                                        <p:cTn id="14" dur="500"/>
+                                        <p:tgtEl>
+                                          <p:spTgt spid="3">
+                                            <p:txEl>
+                                              <p:pRg st="0" end="0"/>
+                                            </p:txEl>
+                                          </p:spTgt>
+                                        </p:tgtEl>
+                                      </p:cBhvr>
+                                    </p:animEffect>
+                                  </p:childTnLst>
+                                </p:cTn>
+                              </p:par>
+                            </p:childTnLst>
+                          </p:cTn>
+                        </p:par>
+                        <p:par>
+                          <p:cTn id="15" fill="hold">
+                            <p:stCondLst>
+                              <p:cond delay="1900"/>
+                            </p:stCondLst>
+                            <p:childTnLst>
+                              <p:par>
+                                <p:cTn id="16" presetID="10" presetClass="entr" presetSubtype="0" fill="hold" grpId="0" nodeType="afterEffect">
+                                  <p:stCondLst>
+                                    <p:cond delay="500"/>
+                                  </p:stCondLst>
+                                  <p:childTnLst>
+                                    <p:set>
+                                      <p:cBhvr>
+                                        <p:cTn id="17" dur="1" fill="hold">
+                                          <p:stCondLst>
+                                            <p:cond delay="0"/>
+                                          </p:stCondLst>
+                                        </p:cTn>
+                                        <p:tgtEl>
+                                          <p:spTgt spid="3">
+                                            <p:txEl>
+                                              <p:pRg st="2" end="2"/>
+                                            </p:txEl>
+                                          </p:spTgt>
+                                        </p:tgtEl>
+                                        <p:attrNameLst>
+                                          <p:attrName>style.visibility</p:attrName>
+                                        </p:attrNameLst>
+                                      </p:cBhvr>
+                                      <p:to>
+                                        <p:strVal val="visible"/>
+                                      </p:to>
+                                    </p:set>
+                                    <p:animEffect transition="in" filter="fade">
+                                      <p:cBhvr>
+                                        <p:cTn id="18" dur="500"/>
+                                        <p:tgtEl>
+                                          <p:spTgt spid="3">
+                                            <p:txEl>
+                                              <p:pRg st="2" end="2"/>
+                                            </p:txEl>
+                                          </p:spTgt>
+                                        </p:tgtEl>
+                                      </p:cBhvr>
+                                    </p:animEffect>
+                                  </p:childTnLst>
+                                </p:cTn>
+                              </p:par>
+                            </p:childTnLst>
+                          </p:cTn>
+                        </p:par>
+                        <p:par>
+                          <p:cTn id="19" fill="hold">
+                            <p:stCondLst>
+                              <p:cond delay="2900"/>
+                            </p:stCondLst>
+                            <p:childTnLst>
+                              <p:par>
+                                <p:cTn id="20" presetID="10" presetClass="entr" presetSubtype="0" fill="hold" grpId="0" nodeType="afterEffect">
+                                  <p:stCondLst>
+                                    <p:cond delay="400"/>
+                                  </p:stCondLst>
+                                  <p:childTnLst>
+                                    <p:set>
+                                      <p:cBhvr>
+                                        <p:cTn id="21" dur="1" fill="hold">
+                                          <p:stCondLst>
+                                            <p:cond delay="0"/>
+                                          </p:stCondLst>
+                                        </p:cTn>
+                                        <p:tgtEl>
+                                          <p:spTgt spid="3">
+                                            <p:txEl>
+                                              <p:pRg st="4" end="4"/>
+                                            </p:txEl>
+                                          </p:spTgt>
+                                        </p:tgtEl>
+                                        <p:attrNameLst>
+                                          <p:attrName>style.visibility</p:attrName>
+                                        </p:attrNameLst>
+                                      </p:cBhvr>
+                                      <p:to>
+                                        <p:strVal val="visible"/>
+                                      </p:to>
+                                    </p:set>
+                                    <p:animEffect transition="in" filter="fade">
+                                      <p:cBhvr>
+                                        <p:cTn id="22" dur="500"/>
+                                        <p:tgtEl>
+                                          <p:spTgt spid="3">
+                                            <p:txEl>
+                                              <p:pRg st="4" end="4"/>
+                                            </p:txEl>
+                                          </p:spTgt>
+                                        </p:tgtEl>
+                                      </p:cBhvr>
+                                    </p:animEffect>
+                                  </p:childTnLst>
+                                </p:cTn>
+                              </p:par>
+                            </p:childTnLst>
+                          </p:cTn>
+                        </p:par>
+                        <p:par>
+                          <p:cTn id="23" fill="hold">
+                            <p:stCondLst>
+                              <p:cond delay="3800"/>
+                            </p:stCondLst>
+                            <p:childTnLst>
+                              <p:par>
+                                <p:cTn id="24" presetID="10" presetClass="entr" presetSubtype="0" fill="hold" grpId="0" nodeType="afterEffect">
+                                  <p:stCondLst>
+                                    <p:cond delay="200"/>
+                                  </p:stCondLst>
+                                  <p:childTnLst>
+                                    <p:set>
+                                      <p:cBhvr>
+                                        <p:cTn id="25" dur="1" fill="hold">
+                                          <p:stCondLst>
+                                            <p:cond delay="0"/>
+                                          </p:stCondLst>
+                                        </p:cTn>
+                                        <p:tgtEl>
+                                          <p:spTgt spid="3">
+                                            <p:txEl>
+                                              <p:pRg st="6" end="6"/>
+                                            </p:txEl>
+                                          </p:spTgt>
+                                        </p:tgtEl>
+                                        <p:attrNameLst>
+                                          <p:attrName>style.visibility</p:attrName>
+                                        </p:attrNameLst>
+                                      </p:cBhvr>
+                                      <p:to>
+                                        <p:strVal val="visible"/>
+                                      </p:to>
+                                    </p:set>
+                                    <p:animEffect transition="in" filter="fade">
+                                      <p:cBhvr>
+                                        <p:cTn id="26" dur="500"/>
+                                        <p:tgtEl>
+                                          <p:spTgt spid="3">
+                                            <p:txEl>
+                                              <p:pRg st="6" end="6"/>
+                                            </p:txEl>
+                                          </p:spTgt>
+                                        </p:tgtEl>
+                                      </p:cBhvr>
+                                    </p:animEffect>
+                                  </p:childTnLst>
+                                </p:cTn>
+                              </p:par>
+                            </p:childTnLst>
+                          </p:cTn>
+                        </p:par>
+                        <p:par>
+                          <p:cTn id="27" fill="hold">
+                            <p:stCondLst>
+                              <p:cond delay="4500"/>
+                            </p:stCondLst>
+                            <p:childTnLst>
+                              <p:par>
+                                <p:cTn id="28" presetID="10" presetClass="entr" presetSubtype="0" fill="hold" grpId="0" nodeType="afterEffect">
+                                  <p:stCondLst>
+                                    <p:cond delay="300"/>
+                                  </p:stCondLst>
+                                  <p:childTnLst>
+                                    <p:set>
+                                      <p:cBhvr>
+                                        <p:cTn id="29" dur="1" fill="hold">
+                                          <p:stCondLst>
+                                            <p:cond delay="0"/>
+                                          </p:stCondLst>
+                                        </p:cTn>
+                                        <p:tgtEl>
+                                          <p:spTgt spid="3">
+                                            <p:txEl>
+                                              <p:pRg st="8" end="8"/>
+                                            </p:txEl>
+                                          </p:spTgt>
+                                        </p:tgtEl>
+                                        <p:attrNameLst>
+                                          <p:attrName>style.visibility</p:attrName>
+                                        </p:attrNameLst>
+                                      </p:cBhvr>
+                                      <p:to>
+                                        <p:strVal val="visible"/>
+                                      </p:to>
+                                    </p:set>
+                                    <p:animEffect transition="in" filter="fade">
+                                      <p:cBhvr>
+                                        <p:cTn id="30" dur="500"/>
+                                        <p:tgtEl>
+                                          <p:spTgt spid="3">
+                                            <p:txEl>
+                                              <p:pRg st="8" end="8"/>
+                                            </p:txEl>
+                                          </p:spTgt>
+                                        </p:tgtEl>
+                                      </p:cBhvr>
+                                    </p:animEffect>
+                                  </p:childTnLst>
+                                </p:cTn>
+                              </p:par>
+                            </p:childTnLst>
+                          </p:cTn>
+                        </p:par>
                       </p:childTnLst>
                     </p:cTn>
                   </p:par>
@@ -3383,6 +4108,9 @@
         </p:cTn>
       </p:par>
     </p:tnLst>
+    <p:bldLst>
+      <p:bldP spid="3" grpId="0" uiExpand="1" build="p"/>
+    </p:bldLst>
   </p:timing>
 </p:sld>
 </file>
@@ -3406,7 +4134,7 @@
       </p:grpSpPr>
       <p:pic>
         <p:nvPicPr>
-          <p:cNvPr id="2" name="Grafik 1"/>
+          <p:cNvPr id="5" name="Grafik 4"/>
           <p:cNvPicPr>
             <a:picLocks noChangeAspect="1"/>
           </p:cNvPicPr>
@@ -3426,7 +4154,37 @@
         </p:blipFill>
         <p:spPr>
           <a:xfrm>
-            <a:off x="672353" y="1527586"/>
+            <a:off x="0" y="-1"/>
+            <a:ext cx="12192000" cy="6858001"/>
+          </a:xfrm>
+          <a:prstGeom prst="rect">
+            <a:avLst/>
+          </a:prstGeom>
+        </p:spPr>
+      </p:pic>
+      <p:pic>
+        <p:nvPicPr>
+          <p:cNvPr id="2" name="Grafik 1"/>
+          <p:cNvPicPr>
+            <a:picLocks noChangeAspect="1"/>
+          </p:cNvPicPr>
+          <p:nvPr/>
+        </p:nvPicPr>
+        <p:blipFill>
+          <a:blip r:embed="rId3" cstate="print">
+            <a:extLst>
+              <a:ext uri="{28A0092B-C50C-407E-A947-70E740481C1C}">
+                <a14:useLocalDpi xmlns:a14="http://schemas.microsoft.com/office/drawing/2010/main" val="0"/>
+              </a:ext>
+            </a:extLst>
+          </a:blip>
+          <a:stretch>
+            <a:fillRect/>
+          </a:stretch>
+        </p:blipFill>
+        <p:spPr>
+          <a:xfrm>
+            <a:off x="462579" y="1563445"/>
             <a:ext cx="898263" cy="898263"/>
           </a:xfrm>
           <a:prstGeom prst="rect">
@@ -3462,7 +4220,7 @@
           <p:nvPr/>
         </p:nvPicPr>
         <p:blipFill>
-          <a:blip r:embed="rId3" cstate="print">
+          <a:blip r:embed="rId4" cstate="print">
             <a:extLst>
               <a:ext uri="{28A0092B-C50C-407E-A947-70E740481C1C}">
                 <a14:useLocalDpi xmlns:a14="http://schemas.microsoft.com/office/drawing/2010/main" val="0"/>
@@ -3519,12 +4277,12 @@
                               <p:par>
                                 <p:cTn id="5" presetID="42" presetClass="path" presetSubtype="0" decel="50000" fill="hold" nodeType="withEffect">
                                   <p:stCondLst>
-                                    <p:cond delay="0"/>
+                                    <p:cond delay="200"/>
                                   </p:stCondLst>
                                   <p:childTnLst>
                                     <p:animMotion origin="layout" path="M -6.25E-7 -1.48148E-6 L -6.25E-7 0.15324 " pathEditMode="relative" rAng="0" ptsTypes="AA">
                                       <p:cBhvr>
-                                        <p:cTn id="6" dur="1000" fill="hold"/>
+                                        <p:cTn id="6" dur="1200" fill="hold"/>
                                         <p:tgtEl>
                                           <p:spTgt spid="6"/>
                                         </p:tgtEl>
@@ -3544,7 +4302,7 @@
                                     <p:cond delay="100"/>
                                   </p:stCondLst>
                                   <p:childTnLst>
-                                    <p:animMotion origin="layout" path="M 0 0 L -0.25 0 E" pathEditMode="relative" ptsTypes="">
+                                    <p:animMotion origin="layout" path="M 4.16667E-7 1.48148E-6 L -0.11745 -0.0007 " pathEditMode="relative" rAng="0" ptsTypes="AA">
                                       <p:cBhvr>
                                         <p:cTn id="8" dur="2000" fill="hold"/>
                                         <p:tgtEl>
@@ -3555,6 +4313,7 @@
                                           <p:attrName>ppt_y</p:attrName>
                                         </p:attrNameLst>
                                       </p:cBhvr>
+                                      <p:rCtr x="-5872" y="-46"/>
                                     </p:animMotion>
                                   </p:childTnLst>
                                 </p:cTn>
